--- a/流程图.pptx
+++ b/流程图.pptx
@@ -243,7 +243,7 @@
           <a:p>
             <a:fld id="{842631DD-6107-4C55-9052-2C27C6CC9A54}" type="datetimeFigureOut">
               <a:rPr lang="zh-CN" altLang="en-US" smtClean="0"/>
-              <a:t>2023/10/17</a:t>
+              <a:t>2023/10/18</a:t>
             </a:fld>
             <a:endParaRPr lang="zh-CN" altLang="en-US"/>
           </a:p>
@@ -413,7 +413,7 @@
           <a:p>
             <a:fld id="{842631DD-6107-4C55-9052-2C27C6CC9A54}" type="datetimeFigureOut">
               <a:rPr lang="zh-CN" altLang="en-US" smtClean="0"/>
-              <a:t>2023/10/17</a:t>
+              <a:t>2023/10/18</a:t>
             </a:fld>
             <a:endParaRPr lang="zh-CN" altLang="en-US"/>
           </a:p>
@@ -593,7 +593,7 @@
           <a:p>
             <a:fld id="{842631DD-6107-4C55-9052-2C27C6CC9A54}" type="datetimeFigureOut">
               <a:rPr lang="zh-CN" altLang="en-US" smtClean="0"/>
-              <a:t>2023/10/17</a:t>
+              <a:t>2023/10/18</a:t>
             </a:fld>
             <a:endParaRPr lang="zh-CN" altLang="en-US"/>
           </a:p>
@@ -763,7 +763,7 @@
           <a:p>
             <a:fld id="{842631DD-6107-4C55-9052-2C27C6CC9A54}" type="datetimeFigureOut">
               <a:rPr lang="zh-CN" altLang="en-US" smtClean="0"/>
-              <a:t>2023/10/17</a:t>
+              <a:t>2023/10/18</a:t>
             </a:fld>
             <a:endParaRPr lang="zh-CN" altLang="en-US"/>
           </a:p>
@@ -1009,7 +1009,7 @@
           <a:p>
             <a:fld id="{842631DD-6107-4C55-9052-2C27C6CC9A54}" type="datetimeFigureOut">
               <a:rPr lang="zh-CN" altLang="en-US" smtClean="0"/>
-              <a:t>2023/10/17</a:t>
+              <a:t>2023/10/18</a:t>
             </a:fld>
             <a:endParaRPr lang="zh-CN" altLang="en-US"/>
           </a:p>
@@ -1241,7 +1241,7 @@
           <a:p>
             <a:fld id="{842631DD-6107-4C55-9052-2C27C6CC9A54}" type="datetimeFigureOut">
               <a:rPr lang="zh-CN" altLang="en-US" smtClean="0"/>
-              <a:t>2023/10/17</a:t>
+              <a:t>2023/10/18</a:t>
             </a:fld>
             <a:endParaRPr lang="zh-CN" altLang="en-US"/>
           </a:p>
@@ -1608,7 +1608,7 @@
           <a:p>
             <a:fld id="{842631DD-6107-4C55-9052-2C27C6CC9A54}" type="datetimeFigureOut">
               <a:rPr lang="zh-CN" altLang="en-US" smtClean="0"/>
-              <a:t>2023/10/17</a:t>
+              <a:t>2023/10/18</a:t>
             </a:fld>
             <a:endParaRPr lang="zh-CN" altLang="en-US"/>
           </a:p>
@@ -1726,7 +1726,7 @@
           <a:p>
             <a:fld id="{842631DD-6107-4C55-9052-2C27C6CC9A54}" type="datetimeFigureOut">
               <a:rPr lang="zh-CN" altLang="en-US" smtClean="0"/>
-              <a:t>2023/10/17</a:t>
+              <a:t>2023/10/18</a:t>
             </a:fld>
             <a:endParaRPr lang="zh-CN" altLang="en-US"/>
           </a:p>
@@ -1821,7 +1821,7 @@
           <a:p>
             <a:fld id="{842631DD-6107-4C55-9052-2C27C6CC9A54}" type="datetimeFigureOut">
               <a:rPr lang="zh-CN" altLang="en-US" smtClean="0"/>
-              <a:t>2023/10/17</a:t>
+              <a:t>2023/10/18</a:t>
             </a:fld>
             <a:endParaRPr lang="zh-CN" altLang="en-US"/>
           </a:p>
@@ -2098,7 +2098,7 @@
           <a:p>
             <a:fld id="{842631DD-6107-4C55-9052-2C27C6CC9A54}" type="datetimeFigureOut">
               <a:rPr lang="zh-CN" altLang="en-US" smtClean="0"/>
-              <a:t>2023/10/17</a:t>
+              <a:t>2023/10/18</a:t>
             </a:fld>
             <a:endParaRPr lang="zh-CN" altLang="en-US"/>
           </a:p>
@@ -2351,7 +2351,7 @@
           <a:p>
             <a:fld id="{842631DD-6107-4C55-9052-2C27C6CC9A54}" type="datetimeFigureOut">
               <a:rPr lang="zh-CN" altLang="en-US" smtClean="0"/>
-              <a:t>2023/10/17</a:t>
+              <a:t>2023/10/18</a:t>
             </a:fld>
             <a:endParaRPr lang="zh-CN" altLang="en-US"/>
           </a:p>
@@ -2564,7 +2564,7 @@
           <a:p>
             <a:fld id="{842631DD-6107-4C55-9052-2C27C6CC9A54}" type="datetimeFigureOut">
               <a:rPr lang="zh-CN" altLang="en-US" smtClean="0"/>
-              <a:t>2023/10/17</a:t>
+              <a:t>2023/10/18</a:t>
             </a:fld>
             <a:endParaRPr lang="zh-CN" altLang="en-US"/>
           </a:p>
@@ -3627,8 +3627,8 @@
         </p:nvSpPr>
         <p:spPr>
           <a:xfrm>
-            <a:off x="8155782" y="1570747"/>
-            <a:ext cx="3816622" cy="1200329"/>
+            <a:off x="6786407" y="362507"/>
+            <a:ext cx="5498365" cy="1477328"/>
           </a:xfrm>
           <a:prstGeom prst="rect">
             <a:avLst/>
@@ -3653,7 +3653,19 @@
             </a:r>
             <a:r>
               <a:rPr lang="zh-CN" altLang="en-US" dirty="0" smtClean="0"/>
-              <a:t>的修正（</a:t>
+              <a:t>的</a:t>
+            </a:r>
+            <a:r>
+              <a:rPr lang="zh-CN" altLang="en-US" dirty="0" smtClean="0"/>
+              <a:t>修正</a:t>
+            </a:r>
+            <a:r>
+              <a:rPr lang="en-US" altLang="zh-CN" dirty="0" err="1" smtClean="0"/>
+              <a:t>index_document</a:t>
+            </a:r>
+            <a:r>
+              <a:rPr lang="zh-CN" altLang="en-US" dirty="0" smtClean="0"/>
+              <a:t>与重排（</a:t>
             </a:r>
             <a:r>
               <a:rPr lang="en-US" altLang="zh-CN" dirty="0" smtClean="0"/>
@@ -3666,40 +3678,47 @@
             <a:endParaRPr lang="en-US" altLang="zh-CN" dirty="0" smtClean="0"/>
           </a:p>
           <a:p>
+            <a:endParaRPr lang="en-US" altLang="zh-CN" dirty="0" smtClean="0"/>
+          </a:p>
+          <a:p>
             <a:r>
               <a:rPr lang="en-US" altLang="zh-CN" dirty="0" smtClean="0"/>
               <a:t>2.bm25</a:t>
             </a:r>
             <a:r>
               <a:rPr lang="zh-CN" altLang="en-US" dirty="0" smtClean="0"/>
-              <a:t>检索去</a:t>
+              <a:t>检索去重</a:t>
+            </a:r>
+            <a:endParaRPr lang="en-US" altLang="zh-CN" dirty="0" smtClean="0"/>
+          </a:p>
+          <a:p>
+            <a:r>
+              <a:rPr lang="en-US" altLang="zh-CN" dirty="0" smtClean="0"/>
+              <a:t>3</a:t>
+            </a:r>
+            <a:r>
+              <a:rPr lang="en-US" altLang="zh-CN" dirty="0" smtClean="0"/>
+              <a:t>.</a:t>
             </a:r>
             <a:r>
               <a:rPr lang="zh-CN" altLang="en-US" dirty="0" smtClean="0"/>
-              <a:t>重</a:t>
-            </a:r>
-            <a:endParaRPr lang="en-US" altLang="zh-CN" dirty="0" smtClean="0"/>
-          </a:p>
-          <a:p>
-            <a:r>
-              <a:rPr lang="en-US" altLang="zh-CN" dirty="0" smtClean="0"/>
-              <a:t>3.</a:t>
+              <a:t> 重新</a:t>
             </a:r>
             <a:r>
               <a:rPr lang="zh-CN" altLang="en-US" dirty="0" smtClean="0"/>
-              <a:t>输入变更为</a:t>
-            </a:r>
-            <a:r>
-              <a:rPr lang="en-US" altLang="zh-CN" dirty="0" smtClean="0"/>
-              <a:t>abstract</a:t>
-            </a:r>
-            <a:r>
-              <a:rPr lang="zh-CN" altLang="en-US" dirty="0" smtClean="0"/>
-              <a:t>、重新训练</a:t>
+              <a:t>训练</a:t>
             </a:r>
             <a:r>
               <a:rPr lang="en-US" altLang="zh-CN" dirty="0" smtClean="0"/>
               <a:t>LLM</a:t>
+            </a:r>
+            <a:r>
+              <a:rPr lang="zh-CN" altLang="en-US" dirty="0" smtClean="0"/>
+              <a:t>：</a:t>
+            </a:r>
+            <a:r>
+              <a:rPr lang="en-US" altLang="zh-CN" dirty="0" err="1" smtClean="0"/>
+              <a:t>qa+tuple</a:t>
             </a:r>
             <a:endParaRPr lang="en-US" altLang="zh-CN" dirty="0" smtClean="0"/>
           </a:p>

--- a/流程图.pptx
+++ b/流程图.pptx
@@ -3339,8 +3339,8 @@
         </p:nvSpPr>
         <p:spPr>
           <a:xfrm>
-            <a:off x="5705407" y="3474718"/>
-            <a:ext cx="780918" cy="681072"/>
+            <a:off x="5705407" y="3525170"/>
+            <a:ext cx="780918" cy="378372"/>
           </a:xfrm>
           <a:prstGeom prst="rect">
             <a:avLst/>
@@ -3378,14 +3378,7 @@
             <a:pPr algn="ctr"/>
             <a:r>
               <a:rPr lang="en-US" altLang="zh-CN" sz="1400" dirty="0" smtClean="0"/>
-              <a:t>query or</a:t>
-            </a:r>
-          </a:p>
-          <a:p>
-            <a:pPr algn="ctr"/>
-            <a:r>
-              <a:rPr lang="en-US" altLang="zh-CN" sz="1400" dirty="0" smtClean="0"/>
-              <a:t>abstract</a:t>
+              <a:t>query</a:t>
             </a:r>
             <a:endParaRPr lang="zh-CN" altLang="en-US" sz="1400" dirty="0"/>
           </a:p>
